--- a/figs/web-icons.pptx
+++ b/figs/web-icons.pptx
@@ -7,6 +7,7 @@
   <p:sldIdLst>
     <p:sldId id="258" r:id="rId2"/>
     <p:sldId id="259" r:id="rId3"/>
+    <p:sldId id="260" r:id="rId4"/>
   </p:sldIdLst>
   <p:sldSz cx="12192000" cy="6858000"/>
   <p:notesSz cx="6858000" cy="9144000"/>
@@ -3616,9 +3617,9 @@
         <p:grpSpPr>
           <a:xfrm>
             <a:off x="919364" y="2650966"/>
-            <a:ext cx="2901619" cy="2901722"/>
+            <a:ext cx="2901619" cy="2901620"/>
             <a:chOff x="3766158" y="950064"/>
-            <a:chExt cx="3340320" cy="3340438"/>
+            <a:chExt cx="3340320" cy="3340320"/>
           </a:xfrm>
         </p:grpSpPr>
         <p:sp>
@@ -3677,10 +3678,10 @@
         </p:sp>
         <p:sp>
           <p:nvSpPr>
-            <p:cNvPr id="46" name="TextBox 45">
+            <p:cNvPr id="47" name="TextBox 46">
               <a:extLst>
                 <a:ext uri="{FF2B5EF4-FFF2-40B4-BE49-F238E27FC236}">
-                  <a16:creationId xmlns:a16="http://schemas.microsoft.com/office/drawing/2014/main" id="{1A412F22-28B0-75FD-3EB6-08E178360170}"/>
+                  <a16:creationId xmlns:a16="http://schemas.microsoft.com/office/drawing/2014/main" id="{814D6EF0-BA73-93B8-F28C-3975455CEE09}"/>
                 </a:ext>
               </a:extLst>
             </p:cNvPr>
@@ -3688,9 +3689,9 @@
             <p:nvPr/>
           </p:nvSpPr>
           <p:spPr>
-            <a:xfrm>
-              <a:off x="4487131" y="986183"/>
-              <a:ext cx="1898374" cy="814913"/>
+            <a:xfrm rot="16200000">
+              <a:off x="3282926" y="2207485"/>
+              <a:ext cx="1898374" cy="814914"/>
             </a:xfrm>
             <a:prstGeom prst="rect">
               <a:avLst/>
@@ -3706,115 +3707,7 @@
               <a:pPr algn="ctr"/>
               <a:r>
                 <a:rPr lang="en-US" sz="4000" dirty="0"/>
-                <a:t>Feel</a:t>
-              </a:r>
-            </a:p>
-          </p:txBody>
-        </p:sp>
-        <p:sp>
-          <p:nvSpPr>
-            <p:cNvPr id="47" name="TextBox 46">
-              <a:extLst>
-                <a:ext uri="{FF2B5EF4-FFF2-40B4-BE49-F238E27FC236}">
-                  <a16:creationId xmlns:a16="http://schemas.microsoft.com/office/drawing/2014/main" id="{814D6EF0-BA73-93B8-F28C-3975455CEE09}"/>
-                </a:ext>
-              </a:extLst>
-            </p:cNvPr>
-            <p:cNvSpPr txBox="1"/>
-            <p:nvPr/>
-          </p:nvSpPr>
-          <p:spPr>
-            <a:xfrm rot="10800000">
-              <a:off x="4487131" y="3475589"/>
-              <a:ext cx="1898374" cy="814913"/>
-            </a:xfrm>
-            <a:prstGeom prst="rect">
-              <a:avLst/>
-            </a:prstGeom>
-            <a:noFill/>
-          </p:spPr>
-          <p:txBody>
-            <a:bodyPr wrap="square" rtlCol="0">
-              <a:spAutoFit/>
-            </a:bodyPr>
-            <a:lstStyle/>
-            <a:p>
-              <a:pPr algn="ctr"/>
-              <a:r>
-                <a:rPr lang="en-US" sz="4000" dirty="0"/>
-                <a:t>Bet</a:t>
-              </a:r>
-            </a:p>
-          </p:txBody>
-        </p:sp>
-        <p:sp>
-          <p:nvSpPr>
-            <p:cNvPr id="48" name="TextBox 47">
-              <a:extLst>
-                <a:ext uri="{FF2B5EF4-FFF2-40B4-BE49-F238E27FC236}">
-                  <a16:creationId xmlns:a16="http://schemas.microsoft.com/office/drawing/2014/main" id="{946FC3AA-59EA-E8CD-3D12-39B9C2C28F21}"/>
-                </a:ext>
-              </a:extLst>
-            </p:cNvPr>
-            <p:cNvSpPr txBox="1"/>
-            <p:nvPr/>
-          </p:nvSpPr>
-          <p:spPr>
-            <a:xfrm rot="5400000">
-              <a:off x="5744431" y="2212769"/>
-              <a:ext cx="1898374" cy="814913"/>
-            </a:xfrm>
-            <a:prstGeom prst="rect">
-              <a:avLst/>
-            </a:prstGeom>
-            <a:noFill/>
-          </p:spPr>
-          <p:txBody>
-            <a:bodyPr wrap="square" rtlCol="0">
-              <a:spAutoFit/>
-            </a:bodyPr>
-            <a:lstStyle/>
-            <a:p>
-              <a:pPr algn="ctr"/>
-              <a:r>
-                <a:rPr lang="en-US" sz="4000" dirty="0"/>
-                <a:t>Say</a:t>
-              </a:r>
-            </a:p>
-          </p:txBody>
-        </p:sp>
-        <p:sp>
-          <p:nvSpPr>
-            <p:cNvPr id="49" name="TextBox 48">
-              <a:extLst>
-                <a:ext uri="{FF2B5EF4-FFF2-40B4-BE49-F238E27FC236}">
-                  <a16:creationId xmlns:a16="http://schemas.microsoft.com/office/drawing/2014/main" id="{843B3482-81AF-D4AA-EF3A-F714F334187F}"/>
-                </a:ext>
-              </a:extLst>
-            </p:cNvPr>
-            <p:cNvSpPr txBox="1"/>
-            <p:nvPr/>
-          </p:nvSpPr>
-          <p:spPr>
-            <a:xfrm rot="16200000">
-              <a:off x="3231883" y="2212769"/>
-              <a:ext cx="1898374" cy="814913"/>
-            </a:xfrm>
-            <a:prstGeom prst="rect">
-              <a:avLst/>
-            </a:prstGeom>
-            <a:noFill/>
-          </p:spPr>
-          <p:txBody>
-            <a:bodyPr wrap="square" rtlCol="0">
-              <a:spAutoFit/>
-            </a:bodyPr>
-            <a:lstStyle/>
-            <a:p>
-              <a:pPr algn="ctr"/>
-              <a:r>
-                <a:rPr lang="en-US" sz="4000" dirty="0"/>
-                <a:t>Let</a:t>
+                <a:t>Play</a:t>
               </a:r>
             </a:p>
           </p:txBody>
@@ -3869,42 +3762,6 @@
             </a:p>
           </p:txBody>
         </p:sp>
-        <p:sp>
-          <p:nvSpPr>
-            <p:cNvPr id="51" name="TextBox 50">
-              <a:extLst>
-                <a:ext uri="{FF2B5EF4-FFF2-40B4-BE49-F238E27FC236}">
-                  <a16:creationId xmlns:a16="http://schemas.microsoft.com/office/drawing/2014/main" id="{C3525503-D864-FEFB-0ABC-A0B7C7EC84FB}"/>
-                </a:ext>
-              </a:extLst>
-            </p:cNvPr>
-            <p:cNvSpPr txBox="1"/>
-            <p:nvPr/>
-          </p:nvSpPr>
-          <p:spPr>
-            <a:xfrm>
-              <a:off x="4859731" y="2165668"/>
-              <a:ext cx="1176908" cy="885774"/>
-            </a:xfrm>
-            <a:prstGeom prst="rect">
-              <a:avLst/>
-            </a:prstGeom>
-            <a:noFill/>
-          </p:spPr>
-          <p:txBody>
-            <a:bodyPr wrap="square" rtlCol="0">
-              <a:spAutoFit/>
-            </a:bodyPr>
-            <a:lstStyle/>
-            <a:p>
-              <a:pPr algn="ctr"/>
-              <a:r>
-                <a:rPr lang="en-US" sz="4400" dirty="0"/>
-                <a:t>½h</a:t>
-              </a:r>
-            </a:p>
-          </p:txBody>
-        </p:sp>
       </p:grpSp>
       <p:grpSp>
         <p:nvGrpSpPr>
@@ -3921,9 +3778,9 @@
         <p:grpSpPr>
           <a:xfrm>
             <a:off x="4665675" y="2670940"/>
-            <a:ext cx="2901619" cy="2912334"/>
+            <a:ext cx="2901619" cy="2901619"/>
             <a:chOff x="3766158" y="950064"/>
-            <a:chExt cx="3340320" cy="3352655"/>
+            <a:chExt cx="3340320" cy="3340320"/>
           </a:xfrm>
         </p:grpSpPr>
         <p:sp>
@@ -3982,10 +3839,10 @@
         </p:sp>
         <p:sp>
           <p:nvSpPr>
-            <p:cNvPr id="94" name="TextBox 93">
+            <p:cNvPr id="95" name="TextBox 94">
               <a:extLst>
                 <a:ext uri="{FF2B5EF4-FFF2-40B4-BE49-F238E27FC236}">
-                  <a16:creationId xmlns:a16="http://schemas.microsoft.com/office/drawing/2014/main" id="{2BAE1CA2-B64F-2823-87A2-CB4B49B2B015}"/>
+                  <a16:creationId xmlns:a16="http://schemas.microsoft.com/office/drawing/2014/main" id="{1DCCAA52-D54F-E70E-624F-99E2C28EE955}"/>
                 </a:ext>
               </a:extLst>
             </p:cNvPr>
@@ -3993,9 +3850,9 @@
             <p:nvPr/>
           </p:nvSpPr>
           <p:spPr>
-            <a:xfrm>
-              <a:off x="4487131" y="986183"/>
-              <a:ext cx="1898374" cy="839346"/>
+            <a:xfrm rot="5400000">
+              <a:off x="5663430" y="2224023"/>
+              <a:ext cx="1898374" cy="839345"/>
             </a:xfrm>
             <a:prstGeom prst="rect">
               <a:avLst/>
@@ -4012,42 +3869,6 @@
               <a:r>
                 <a:rPr lang="en-US" sz="4000" dirty="0"/>
                 <a:t>Feel</a:t>
-              </a:r>
-            </a:p>
-          </p:txBody>
-        </p:sp>
-        <p:sp>
-          <p:nvSpPr>
-            <p:cNvPr id="95" name="TextBox 94">
-              <a:extLst>
-                <a:ext uri="{FF2B5EF4-FFF2-40B4-BE49-F238E27FC236}">
-                  <a16:creationId xmlns:a16="http://schemas.microsoft.com/office/drawing/2014/main" id="{1DCCAA52-D54F-E70E-624F-99E2C28EE955}"/>
-                </a:ext>
-              </a:extLst>
-            </p:cNvPr>
-            <p:cNvSpPr txBox="1"/>
-            <p:nvPr/>
-          </p:nvSpPr>
-          <p:spPr>
-            <a:xfrm rot="10800000">
-              <a:off x="4487131" y="3463373"/>
-              <a:ext cx="1898374" cy="839346"/>
-            </a:xfrm>
-            <a:prstGeom prst="rect">
-              <a:avLst/>
-            </a:prstGeom>
-            <a:noFill/>
-          </p:spPr>
-          <p:txBody>
-            <a:bodyPr wrap="square" rtlCol="0">
-              <a:spAutoFit/>
-            </a:bodyPr>
-            <a:lstStyle/>
-            <a:p>
-              <a:pPr algn="ctr"/>
-              <a:r>
-                <a:rPr lang="en-US" sz="4000" dirty="0"/>
-                <a:t>Let</a:t>
               </a:r>
             </a:p>
           </p:txBody>
@@ -4102,42 +3923,6 @@
             </a:p>
           </p:txBody>
         </p:sp>
-        <p:sp>
-          <p:nvSpPr>
-            <p:cNvPr id="99" name="TextBox 98">
-              <a:extLst>
-                <a:ext uri="{FF2B5EF4-FFF2-40B4-BE49-F238E27FC236}">
-                  <a16:creationId xmlns:a16="http://schemas.microsoft.com/office/drawing/2014/main" id="{A8180A1D-DFA1-1ECA-D728-CA04A2003E74}"/>
-                </a:ext>
-              </a:extLst>
-            </p:cNvPr>
-            <p:cNvSpPr txBox="1"/>
-            <p:nvPr/>
-          </p:nvSpPr>
-          <p:spPr>
-            <a:xfrm>
-              <a:off x="4848891" y="2143984"/>
-              <a:ext cx="1176908" cy="906496"/>
-            </a:xfrm>
-            <a:prstGeom prst="rect">
-              <a:avLst/>
-            </a:prstGeom>
-            <a:noFill/>
-          </p:spPr>
-          <p:txBody>
-            <a:bodyPr wrap="square" rtlCol="0">
-              <a:spAutoFit/>
-            </a:bodyPr>
-            <a:lstStyle/>
-            <a:p>
-              <a:pPr algn="ctr"/>
-              <a:r>
-                <a:rPr lang="en-US" sz="4400" dirty="0"/>
-                <a:t>6h</a:t>
-              </a:r>
-            </a:p>
-          </p:txBody>
-        </p:sp>
       </p:grpSp>
       <p:grpSp>
         <p:nvGrpSpPr>
@@ -4153,10 +3938,10 @@
         </p:nvGrpSpPr>
         <p:grpSpPr>
           <a:xfrm>
-            <a:off x="8353135" y="2670940"/>
-            <a:ext cx="3083164" cy="2901619"/>
-            <a:chOff x="3679204" y="950064"/>
-            <a:chExt cx="3549315" cy="3340320"/>
+            <a:off x="8428669" y="2670940"/>
+            <a:ext cx="2901617" cy="2901619"/>
+            <a:chOff x="3766158" y="950064"/>
+            <a:chExt cx="3340320" cy="3340320"/>
           </a:xfrm>
         </p:grpSpPr>
         <p:sp>
@@ -4215,114 +4000,6 @@
         </p:sp>
         <p:sp>
           <p:nvSpPr>
-            <p:cNvPr id="110" name="TextBox 109">
-              <a:extLst>
-                <a:ext uri="{FF2B5EF4-FFF2-40B4-BE49-F238E27FC236}">
-                  <a16:creationId xmlns:a16="http://schemas.microsoft.com/office/drawing/2014/main" id="{F2561BDF-257F-BA53-9028-DC14CE044635}"/>
-                </a:ext>
-              </a:extLst>
-            </p:cNvPr>
-            <p:cNvSpPr txBox="1"/>
-            <p:nvPr/>
-          </p:nvSpPr>
-          <p:spPr>
-            <a:xfrm>
-              <a:off x="4487131" y="986183"/>
-              <a:ext cx="1898374" cy="814913"/>
-            </a:xfrm>
-            <a:prstGeom prst="rect">
-              <a:avLst/>
-            </a:prstGeom>
-            <a:noFill/>
-          </p:spPr>
-          <p:txBody>
-            <a:bodyPr wrap="square" rtlCol="0">
-              <a:spAutoFit/>
-            </a:bodyPr>
-            <a:lstStyle/>
-            <a:p>
-              <a:pPr algn="ctr"/>
-              <a:r>
-                <a:rPr lang="en-US" sz="4000" dirty="0"/>
-                <a:t>Say</a:t>
-              </a:r>
-            </a:p>
-          </p:txBody>
-        </p:sp>
-        <p:sp>
-          <p:nvSpPr>
-            <p:cNvPr id="112" name="TextBox 111">
-              <a:extLst>
-                <a:ext uri="{FF2B5EF4-FFF2-40B4-BE49-F238E27FC236}">
-                  <a16:creationId xmlns:a16="http://schemas.microsoft.com/office/drawing/2014/main" id="{6B4337D6-30A2-9EF1-FF1B-08B88BBC94E3}"/>
-                </a:ext>
-              </a:extLst>
-            </p:cNvPr>
-            <p:cNvSpPr txBox="1"/>
-            <p:nvPr/>
-          </p:nvSpPr>
-          <p:spPr>
-            <a:xfrm rot="5400000">
-              <a:off x="5620290" y="2171412"/>
-              <a:ext cx="2401546" cy="814913"/>
-            </a:xfrm>
-            <a:prstGeom prst="rect">
-              <a:avLst/>
-            </a:prstGeom>
-            <a:noFill/>
-          </p:spPr>
-          <p:txBody>
-            <a:bodyPr wrap="square" rtlCol="0">
-              <a:spAutoFit/>
-            </a:bodyPr>
-            <a:lstStyle/>
-            <a:p>
-              <a:pPr algn="ctr"/>
-              <a:r>
-                <a:rPr lang="en-US" sz="4000" dirty="0"/>
-                <a:t>Feel</a:t>
-              </a:r>
-            </a:p>
-          </p:txBody>
-        </p:sp>
-        <p:sp>
-          <p:nvSpPr>
-            <p:cNvPr id="113" name="TextBox 112">
-              <a:extLst>
-                <a:ext uri="{FF2B5EF4-FFF2-40B4-BE49-F238E27FC236}">
-                  <a16:creationId xmlns:a16="http://schemas.microsoft.com/office/drawing/2014/main" id="{035BEFC8-2481-775D-EAC6-52CB7804A99C}"/>
-                </a:ext>
-              </a:extLst>
-            </p:cNvPr>
-            <p:cNvSpPr txBox="1"/>
-            <p:nvPr/>
-          </p:nvSpPr>
-          <p:spPr>
-            <a:xfrm rot="16200000">
-              <a:off x="2991001" y="2214929"/>
-              <a:ext cx="2191319" cy="814913"/>
-            </a:xfrm>
-            <a:prstGeom prst="rect">
-              <a:avLst/>
-            </a:prstGeom>
-            <a:noFill/>
-          </p:spPr>
-          <p:txBody>
-            <a:bodyPr wrap="square" rtlCol="0">
-              <a:spAutoFit/>
-            </a:bodyPr>
-            <a:lstStyle/>
-            <a:p>
-              <a:pPr algn="ctr"/>
-              <a:r>
-                <a:rPr lang="en-US" sz="4000" dirty="0"/>
-                <a:t>Let</a:t>
-              </a:r>
-            </a:p>
-          </p:txBody>
-        </p:sp>
-        <p:sp>
-          <p:nvSpPr>
             <p:cNvPr id="114" name="Oval 113">
               <a:extLst>
                 <a:ext uri="{FF2B5EF4-FFF2-40B4-BE49-F238E27FC236}">
@@ -4371,42 +4048,6 @@
             </a:p>
           </p:txBody>
         </p:sp>
-        <p:sp>
-          <p:nvSpPr>
-            <p:cNvPr id="115" name="TextBox 114">
-              <a:extLst>
-                <a:ext uri="{FF2B5EF4-FFF2-40B4-BE49-F238E27FC236}">
-                  <a16:creationId xmlns:a16="http://schemas.microsoft.com/office/drawing/2014/main" id="{0ACDC07F-8F02-7C6B-D13C-E33ADB6F9FFD}"/>
-                </a:ext>
-              </a:extLst>
-            </p:cNvPr>
-            <p:cNvSpPr txBox="1"/>
-            <p:nvPr/>
-          </p:nvSpPr>
-          <p:spPr>
-            <a:xfrm>
-              <a:off x="4870575" y="2176510"/>
-              <a:ext cx="1176908" cy="906496"/>
-            </a:xfrm>
-            <a:prstGeom prst="rect">
-              <a:avLst/>
-            </a:prstGeom>
-            <a:noFill/>
-          </p:spPr>
-          <p:txBody>
-            <a:bodyPr wrap="square" rtlCol="0">
-              <a:spAutoFit/>
-            </a:bodyPr>
-            <a:lstStyle/>
-            <a:p>
-              <a:pPr algn="ctr"/>
-              <a:r>
-                <a:rPr lang="en-US" sz="4400" dirty="0"/>
-                <a:t>1h</a:t>
-              </a:r>
-            </a:p>
-          </p:txBody>
-        </p:sp>
       </p:grpSp>
       <p:sp>
         <p:nvSpPr>
@@ -4545,6 +4186,42 @@
                 </a:solidFill>
               </a:rPr>
               <a:t>Session</a:t>
+            </a:r>
+          </a:p>
+        </p:txBody>
+      </p:sp>
+      <p:sp>
+        <p:nvSpPr>
+          <p:cNvPr id="2" name="TextBox 1">
+            <a:extLst>
+              <a:ext uri="{FF2B5EF4-FFF2-40B4-BE49-F238E27FC236}">
+                <a16:creationId xmlns:a16="http://schemas.microsoft.com/office/drawing/2014/main" id="{B4A0CA52-A528-DBA4-8C44-7A064E98D5EB}"/>
+              </a:ext>
+            </a:extLst>
+          </p:cNvPr>
+          <p:cNvSpPr txBox="1"/>
+          <p:nvPr/>
+        </p:nvSpPr>
+        <p:spPr>
+          <a:xfrm>
+            <a:off x="9044033" y="2726024"/>
+            <a:ext cx="1649051" cy="729110"/>
+          </a:xfrm>
+          <a:prstGeom prst="rect">
+            <a:avLst/>
+          </a:prstGeom>
+          <a:noFill/>
+        </p:spPr>
+        <p:txBody>
+          <a:bodyPr wrap="square" rtlCol="0">
+            <a:spAutoFit/>
+          </a:bodyPr>
+          <a:lstStyle/>
+          <a:p>
+            <a:pPr algn="ctr"/>
+            <a:r>
+              <a:rPr lang="en-US" sz="4000" dirty="0"/>
+              <a:t>Say</a:t>
             </a:r>
           </a:p>
         </p:txBody>
@@ -4910,12 +4587,137 @@
             </a:p>
           </p:txBody>
         </p:sp>
+      </p:grpSp>
+      <p:grpSp>
+        <p:nvGrpSpPr>
+          <p:cNvPr id="100" name="Group 99">
+            <a:extLst>
+              <a:ext uri="{FF2B5EF4-FFF2-40B4-BE49-F238E27FC236}">
+                <a16:creationId xmlns:a16="http://schemas.microsoft.com/office/drawing/2014/main" id="{511465E7-9961-E51A-06DD-7231FF749D8B}"/>
+              </a:ext>
+            </a:extLst>
+          </p:cNvPr>
+          <p:cNvGrpSpPr/>
+          <p:nvPr/>
+        </p:nvGrpSpPr>
+        <p:grpSpPr>
+          <a:xfrm>
+            <a:off x="4644300" y="2875540"/>
+            <a:ext cx="2901619" cy="2901619"/>
+            <a:chOff x="3766158" y="950064"/>
+            <a:chExt cx="3340320" cy="3340320"/>
+          </a:xfrm>
+        </p:grpSpPr>
         <p:sp>
           <p:nvSpPr>
-            <p:cNvPr id="83" name="TextBox 82">
+            <p:cNvPr id="101" name="Rectangle: Rounded Corners 100">
               <a:extLst>
                 <a:ext uri="{FF2B5EF4-FFF2-40B4-BE49-F238E27FC236}">
-                  <a16:creationId xmlns:a16="http://schemas.microsoft.com/office/drawing/2014/main" id="{B5B2688E-B6C8-7470-4ABC-8C0A4B78C435}"/>
+                  <a16:creationId xmlns:a16="http://schemas.microsoft.com/office/drawing/2014/main" id="{B087AC4F-BBBC-C2A7-592F-2794D9750EE2}"/>
+                </a:ext>
+              </a:extLst>
+            </p:cNvPr>
+            <p:cNvSpPr/>
+            <p:nvPr/>
+          </p:nvSpPr>
+          <p:spPr>
+            <a:xfrm>
+              <a:off x="3766158" y="950064"/>
+              <a:ext cx="3340320" cy="3340320"/>
+            </a:xfrm>
+            <a:prstGeom prst="roundRect">
+              <a:avLst/>
+            </a:prstGeom>
+            <a:solidFill>
+              <a:schemeClr val="bg1"/>
+            </a:solidFill>
+            <a:ln w="57150">
+              <a:solidFill>
+                <a:schemeClr val="tx1"/>
+              </a:solidFill>
+            </a:ln>
+          </p:spPr>
+          <p:style>
+            <a:lnRef idx="2">
+              <a:schemeClr val="accent1">
+                <a:shade val="50000"/>
+              </a:schemeClr>
+            </a:lnRef>
+            <a:fillRef idx="1">
+              <a:schemeClr val="accent1"/>
+            </a:fillRef>
+            <a:effectRef idx="0">
+              <a:schemeClr val="accent1"/>
+            </a:effectRef>
+            <a:fontRef idx="minor">
+              <a:schemeClr val="lt1"/>
+            </a:fontRef>
+          </p:style>
+          <p:txBody>
+            <a:bodyPr rtlCol="0" anchor="ctr"/>
+            <a:lstStyle/>
+            <a:p>
+              <a:pPr algn="ctr"/>
+              <a:endParaRPr lang="en-US" sz="3200"/>
+            </a:p>
+          </p:txBody>
+        </p:sp>
+        <p:sp>
+          <p:nvSpPr>
+            <p:cNvPr id="106" name="Oval 105">
+              <a:extLst>
+                <a:ext uri="{FF2B5EF4-FFF2-40B4-BE49-F238E27FC236}">
+                  <a16:creationId xmlns:a16="http://schemas.microsoft.com/office/drawing/2014/main" id="{7E8BCBB8-2421-080C-81B7-D3160E916148}"/>
+                </a:ext>
+              </a:extLst>
+            </p:cNvPr>
+            <p:cNvSpPr/>
+            <p:nvPr/>
+          </p:nvSpPr>
+          <p:spPr>
+            <a:xfrm>
+              <a:off x="4908550" y="2112392"/>
+              <a:ext cx="1062608" cy="1062608"/>
+            </a:xfrm>
+            <a:prstGeom prst="ellipse">
+              <a:avLst/>
+            </a:prstGeom>
+            <a:solidFill>
+              <a:schemeClr val="bg1"/>
+            </a:solidFill>
+            <a:ln w="57150"/>
+          </p:spPr>
+          <p:style>
+            <a:lnRef idx="2">
+              <a:schemeClr val="accent1">
+                <a:shade val="50000"/>
+              </a:schemeClr>
+            </a:lnRef>
+            <a:fillRef idx="1">
+              <a:schemeClr val="accent1"/>
+            </a:fillRef>
+            <a:effectRef idx="0">
+              <a:schemeClr val="accent1"/>
+            </a:effectRef>
+            <a:fontRef idx="minor">
+              <a:schemeClr val="lt1"/>
+            </a:fontRef>
+          </p:style>
+          <p:txBody>
+            <a:bodyPr rtlCol="0" anchor="ctr"/>
+            <a:lstStyle/>
+            <a:p>
+              <a:pPr algn="ctr"/>
+              <a:endParaRPr lang="en-US" sz="3200"/>
+            </a:p>
+          </p:txBody>
+        </p:sp>
+        <p:sp>
+          <p:nvSpPr>
+            <p:cNvPr id="107" name="TextBox 106">
+              <a:extLst>
+                <a:ext uri="{FF2B5EF4-FFF2-40B4-BE49-F238E27FC236}">
+                  <a16:creationId xmlns:a16="http://schemas.microsoft.com/office/drawing/2014/main" id="{73509E75-D1C2-2E10-82F0-2E28306018FA}"/>
                 </a:ext>
               </a:extLst>
             </p:cNvPr>
@@ -4924,7 +4726,7 @@
           </p:nvSpPr>
           <p:spPr>
             <a:xfrm>
-              <a:off x="4848891" y="2143984"/>
+              <a:off x="4848891" y="2133142"/>
               <a:ext cx="1176908" cy="906495"/>
             </a:xfrm>
             <a:prstGeom prst="rect">
@@ -4941,8 +4743,583 @@
               <a:pPr algn="ctr"/>
               <a:r>
                 <a:rPr lang="en-US" sz="4400" dirty="0"/>
-                <a:t>7d</a:t>
+                <a:t>.</a:t>
               </a:r>
+            </a:p>
+          </p:txBody>
+        </p:sp>
+      </p:grpSp>
+      <p:sp>
+        <p:nvSpPr>
+          <p:cNvPr id="3" name="TextBox 2">
+            <a:extLst>
+              <a:ext uri="{FF2B5EF4-FFF2-40B4-BE49-F238E27FC236}">
+                <a16:creationId xmlns:a16="http://schemas.microsoft.com/office/drawing/2014/main" id="{2F593427-2D5F-6104-71EB-0522943B5631}"/>
+              </a:ext>
+            </a:extLst>
+          </p:cNvPr>
+          <p:cNvSpPr txBox="1"/>
+          <p:nvPr/>
+        </p:nvSpPr>
+        <p:spPr>
+          <a:xfrm>
+            <a:off x="877162" y="1737337"/>
+            <a:ext cx="2927704" cy="923330"/>
+          </a:xfrm>
+          <a:prstGeom prst="rect">
+            <a:avLst/>
+          </a:prstGeom>
+          <a:noFill/>
+        </p:spPr>
+        <p:txBody>
+          <a:bodyPr wrap="square" rtlCol="0">
+            <a:spAutoFit/>
+          </a:bodyPr>
+          <a:lstStyle/>
+          <a:p>
+            <a:pPr algn="ctr"/>
+            <a:r>
+              <a:rPr lang="en-US" sz="5400" dirty="0">
+                <a:ln>
+                  <a:solidFill>
+                    <a:schemeClr val="tx1"/>
+                  </a:solidFill>
+                </a:ln>
+                <a:solidFill>
+                  <a:schemeClr val="accent1">
+                    <a:lumMod val="75000"/>
+                  </a:schemeClr>
+                </a:solidFill>
+              </a:rPr>
+              <a:t>Camp</a:t>
+            </a:r>
+          </a:p>
+        </p:txBody>
+      </p:sp>
+      <p:sp>
+        <p:nvSpPr>
+          <p:cNvPr id="5" name="TextBox 4">
+            <a:extLst>
+              <a:ext uri="{FF2B5EF4-FFF2-40B4-BE49-F238E27FC236}">
+                <a16:creationId xmlns:a16="http://schemas.microsoft.com/office/drawing/2014/main" id="{66D47CF1-61C0-66EB-7993-02A2A5CCC84A}"/>
+              </a:ext>
+            </a:extLst>
+          </p:cNvPr>
+          <p:cNvSpPr txBox="1"/>
+          <p:nvPr/>
+        </p:nvSpPr>
+        <p:spPr>
+          <a:xfrm>
+            <a:off x="4640164" y="1737337"/>
+            <a:ext cx="2927704" cy="830997"/>
+          </a:xfrm>
+          <a:prstGeom prst="rect">
+            <a:avLst/>
+          </a:prstGeom>
+          <a:noFill/>
+        </p:spPr>
+        <p:txBody>
+          <a:bodyPr wrap="square" rtlCol="0">
+            <a:spAutoFit/>
+          </a:bodyPr>
+          <a:lstStyle/>
+          <a:p>
+            <a:pPr algn="ctr"/>
+            <a:r>
+              <a:rPr lang="en-US" sz="4800" dirty="0">
+                <a:ln>
+                  <a:solidFill>
+                    <a:schemeClr val="tx1"/>
+                  </a:solidFill>
+                </a:ln>
+                <a:solidFill>
+                  <a:schemeClr val="accent1">
+                    <a:lumMod val="75000"/>
+                  </a:schemeClr>
+                </a:solidFill>
+              </a:rPr>
+              <a:t>Instagram</a:t>
+            </a:r>
+            <a:endParaRPr lang="en-US" sz="5400" dirty="0">
+              <a:ln>
+                <a:solidFill>
+                  <a:schemeClr val="tx1"/>
+                </a:solidFill>
+              </a:ln>
+              <a:solidFill>
+                <a:schemeClr val="accent1">
+                  <a:lumMod val="75000"/>
+                </a:schemeClr>
+              </a:solidFill>
+            </a:endParaRPr>
+          </a:p>
+        </p:txBody>
+      </p:sp>
+      <p:pic>
+        <p:nvPicPr>
+          <p:cNvPr id="2" name="Content Placeholder 4" descr="Shape&#10;&#10;Description automatically generated with low confidence">
+            <a:extLst>
+              <a:ext uri="{FF2B5EF4-FFF2-40B4-BE49-F238E27FC236}">
+                <a16:creationId xmlns:a16="http://schemas.microsoft.com/office/drawing/2014/main" id="{5F148BFF-2799-4E5F-493B-2CC3DFCEAC4E}"/>
+              </a:ext>
+            </a:extLst>
+          </p:cNvPr>
+          <p:cNvPicPr>
+            <a:picLocks noGrp="1" noChangeAspect="1"/>
+          </p:cNvPicPr>
+          <p:nvPr>
+            <p:ph idx="1"/>
+          </p:nvPr>
+        </p:nvPicPr>
+        <p:blipFill rotWithShape="1">
+          <a:blip r:embed="rId2">
+            <a:biLevel thresh="75000"/>
+            <a:extLst>
+              <a:ext uri="{BEBA8EAE-BF5A-486C-A8C5-ECC9F3942E4B}">
+                <a14:imgProps xmlns:a14="http://schemas.microsoft.com/office/drawing/2010/main">
+                  <a14:imgLayer r:embed="rId3">
+                    <a14:imgEffect>
+                      <a14:backgroundRemoval t="1394" b="98955" l="244" r="90000">
+                        <a14:foregroundMark x1="16098" y1="48084" x2="16098" y2="34843"/>
+                        <a14:foregroundMark x1="14390" y1="27526" x2="16341" y2="43206"/>
+                        <a14:foregroundMark x1="16341" y1="43206" x2="12439" y2="66899"/>
+                        <a14:foregroundMark x1="17317" y1="36237" x2="16585" y2="49826"/>
+                        <a14:foregroundMark x1="15122" y1="26829" x2="15122" y2="26829"/>
+                        <a14:foregroundMark x1="14634" y1="25087" x2="14634" y2="25087"/>
+                        <a14:foregroundMark x1="19512" y1="13937" x2="19512" y2="13937"/>
+                        <a14:foregroundMark x1="10000" y1="5575" x2="10000" y2="5575"/>
+                        <a14:foregroundMark x1="11463" y1="4181" x2="11463" y2="4181"/>
+                        <a14:foregroundMark x1="10488" y1="3484" x2="10488" y2="3484"/>
+                        <a14:foregroundMark x1="9756" y1="4530" x2="9756" y2="4530"/>
+                        <a14:foregroundMark x1="12195" y1="6272" x2="12195" y2="6272"/>
+                        <a14:foregroundMark x1="14634" y1="1394" x2="14634" y2="1394"/>
+                        <a14:foregroundMark x1="16585" y1="3484" x2="16585" y2="3484"/>
+                        <a14:foregroundMark x1="18293" y1="8362" x2="18293" y2="8362"/>
+                        <a14:foregroundMark x1="17073" y1="4878" x2="17073" y2="4878"/>
+                        <a14:foregroundMark x1="17805" y1="6272" x2="17805" y2="6272"/>
+                        <a14:foregroundMark x1="19268" y1="11498" x2="19268" y2="11498"/>
+                        <a14:foregroundMark x1="19512" y1="14634" x2="18049" y2="18118"/>
+                        <a14:foregroundMark x1="17561" y1="19512" x2="17561" y2="19512"/>
+                        <a14:foregroundMark x1="16585" y1="19861" x2="16341" y2="19861"/>
+                        <a14:foregroundMark x1="13171" y1="67944" x2="11951" y2="73171"/>
+                        <a14:foregroundMark x1="10976" y1="75261" x2="8049" y2="82927"/>
+                        <a14:foregroundMark x1="7805" y1="84321" x2="2439" y2="91986"/>
+                        <a14:foregroundMark x1="244" y1="94077" x2="5366" y2="98955"/>
+                        <a14:foregroundMark x1="18780" y1="83972" x2="18780" y2="83972"/>
+                      </a14:backgroundRemoval>
+                    </a14:imgEffect>
+                  </a14:imgLayer>
+                </a14:imgProps>
+              </a:ext>
+              <a:ext uri="{28A0092B-C50C-407E-A947-70E740481C1C}">
+                <a14:useLocalDpi xmlns:a14="http://schemas.microsoft.com/office/drawing/2010/main" val="0"/>
+              </a:ext>
+            </a:extLst>
+          </a:blip>
+          <a:srcRect r="71329"/>
+          <a:stretch/>
+        </p:blipFill>
+        <p:spPr>
+          <a:xfrm>
+            <a:off x="9070893" y="2163539"/>
+            <a:ext cx="1433144" cy="3499042"/>
+          </a:xfrm>
+        </p:spPr>
+      </p:pic>
+      <p:pic>
+        <p:nvPicPr>
+          <p:cNvPr id="6" name="Picture 5" descr="A black and white logo&#10;&#10;Description automatically generated with low confidence">
+            <a:extLst>
+              <a:ext uri="{FF2B5EF4-FFF2-40B4-BE49-F238E27FC236}">
+                <a16:creationId xmlns:a16="http://schemas.microsoft.com/office/drawing/2014/main" id="{65144C01-E5E2-7AC9-EE65-C5E6FB7C328A}"/>
+              </a:ext>
+            </a:extLst>
+          </p:cNvPr>
+          <p:cNvPicPr>
+            <a:picLocks noChangeAspect="1"/>
+          </p:cNvPicPr>
+          <p:nvPr/>
+        </p:nvPicPr>
+        <p:blipFill>
+          <a:blip r:embed="rId4">
+            <a:extLst>
+              <a:ext uri="{28A0092B-C50C-407E-A947-70E740481C1C}">
+                <a14:useLocalDpi xmlns:a14="http://schemas.microsoft.com/office/drawing/2010/main" val="0"/>
+              </a:ext>
+            </a:extLst>
+          </a:blip>
+          <a:stretch>
+            <a:fillRect/>
+          </a:stretch>
+        </p:blipFill>
+        <p:spPr>
+          <a:xfrm>
+            <a:off x="5402607" y="3713931"/>
+            <a:ext cx="1402818" cy="1402818"/>
+          </a:xfrm>
+          <a:prstGeom prst="rect">
+            <a:avLst/>
+          </a:prstGeom>
+        </p:spPr>
+      </p:pic>
+    </p:spTree>
+    <p:extLst>
+      <p:ext uri="{BB962C8B-B14F-4D97-AF65-F5344CB8AC3E}">
+        <p14:creationId xmlns:p14="http://schemas.microsoft.com/office/powerpoint/2010/main" val="3927250085"/>
+      </p:ext>
+    </p:extLst>
+  </p:cSld>
+  <p:clrMapOvr>
+    <a:masterClrMapping/>
+  </p:clrMapOvr>
+</p:sld>
+</file>
+
+<file path=ppt/slides/slide3.xml><?xml version="1.0" encoding="utf-8"?>
+<p:sld xmlns:a="http://schemas.openxmlformats.org/drawingml/2006/main" xmlns:r="http://schemas.openxmlformats.org/officeDocument/2006/relationships" xmlns:p="http://schemas.openxmlformats.org/presentationml/2006/main">
+  <p:cSld>
+    <p:spTree>
+      <p:nvGrpSpPr>
+        <p:cNvPr id="1" name=""/>
+        <p:cNvGrpSpPr/>
+        <p:nvPr/>
+      </p:nvGrpSpPr>
+      <p:grpSpPr>
+        <a:xfrm>
+          <a:off x="0" y="0"/>
+          <a:ext cx="0" cy="0"/>
+          <a:chOff x="0" y="0"/>
+          <a:chExt cx="0" cy="0"/>
+        </a:xfrm>
+      </p:grpSpPr>
+      <p:sp>
+        <p:nvSpPr>
+          <p:cNvPr id="8" name="Rectangle: Top Corners One Rounded and One Snipped 7">
+            <a:extLst>
+              <a:ext uri="{FF2B5EF4-FFF2-40B4-BE49-F238E27FC236}">
+                <a16:creationId xmlns:a16="http://schemas.microsoft.com/office/drawing/2014/main" id="{CA651067-FA8F-6C30-CF6B-C126E61247DA}"/>
+              </a:ext>
+            </a:extLst>
+          </p:cNvPr>
+          <p:cNvSpPr/>
+          <p:nvPr/>
+        </p:nvSpPr>
+        <p:spPr>
+          <a:xfrm>
+            <a:off x="4336512" y="1709529"/>
+            <a:ext cx="3488105" cy="4325112"/>
+          </a:xfrm>
+          <a:prstGeom prst="snipRoundRect">
+            <a:avLst>
+              <a:gd name="adj1" fmla="val 3275"/>
+              <a:gd name="adj2" fmla="val 8404"/>
+            </a:avLst>
+          </a:prstGeom>
+          <a:solidFill>
+            <a:schemeClr val="bg1"/>
+          </a:solidFill>
+          <a:ln w="38100">
+            <a:solidFill>
+              <a:schemeClr val="tx1"/>
+            </a:solidFill>
+          </a:ln>
+        </p:spPr>
+        <p:style>
+          <a:lnRef idx="2">
+            <a:schemeClr val="accent1">
+              <a:shade val="50000"/>
+            </a:schemeClr>
+          </a:lnRef>
+          <a:fillRef idx="1">
+            <a:schemeClr val="accent1"/>
+          </a:fillRef>
+          <a:effectRef idx="0">
+            <a:schemeClr val="accent1"/>
+          </a:effectRef>
+          <a:fontRef idx="minor">
+            <a:schemeClr val="lt1"/>
+          </a:fontRef>
+        </p:style>
+        <p:txBody>
+          <a:bodyPr rtlCol="0" anchor="ctr"/>
+          <a:lstStyle/>
+          <a:p>
+            <a:pPr algn="ctr"/>
+            <a:endParaRPr lang="en-US"/>
+          </a:p>
+        </p:txBody>
+      </p:sp>
+      <p:sp>
+        <p:nvSpPr>
+          <p:cNvPr id="9" name="Rectangle: Top Corners One Rounded and One Snipped 8">
+            <a:extLst>
+              <a:ext uri="{FF2B5EF4-FFF2-40B4-BE49-F238E27FC236}">
+                <a16:creationId xmlns:a16="http://schemas.microsoft.com/office/drawing/2014/main" id="{410858D5-0A92-9229-F58A-9CAF12A64F57}"/>
+              </a:ext>
+            </a:extLst>
+          </p:cNvPr>
+          <p:cNvSpPr/>
+          <p:nvPr/>
+        </p:nvSpPr>
+        <p:spPr>
+          <a:xfrm>
+            <a:off x="8124507" y="1699588"/>
+            <a:ext cx="3488105" cy="4325112"/>
+          </a:xfrm>
+          <a:prstGeom prst="snipRoundRect">
+            <a:avLst>
+              <a:gd name="adj1" fmla="val 3275"/>
+              <a:gd name="adj2" fmla="val 8404"/>
+            </a:avLst>
+          </a:prstGeom>
+          <a:solidFill>
+            <a:schemeClr val="bg1"/>
+          </a:solidFill>
+          <a:ln w="38100">
+            <a:solidFill>
+              <a:schemeClr val="tx1"/>
+            </a:solidFill>
+          </a:ln>
+        </p:spPr>
+        <p:style>
+          <a:lnRef idx="2">
+            <a:schemeClr val="accent1">
+              <a:shade val="50000"/>
+            </a:schemeClr>
+          </a:lnRef>
+          <a:fillRef idx="1">
+            <a:schemeClr val="accent1"/>
+          </a:fillRef>
+          <a:effectRef idx="0">
+            <a:schemeClr val="accent1"/>
+          </a:effectRef>
+          <a:fontRef idx="minor">
+            <a:schemeClr val="lt1"/>
+          </a:fontRef>
+        </p:style>
+        <p:txBody>
+          <a:bodyPr rtlCol="0" anchor="ctr"/>
+          <a:lstStyle/>
+          <a:p>
+            <a:pPr algn="ctr"/>
+            <a:endParaRPr lang="en-US"/>
+          </a:p>
+        </p:txBody>
+      </p:sp>
+      <p:sp>
+        <p:nvSpPr>
+          <p:cNvPr id="10" name="Rectangle: Top Corners One Rounded and One Snipped 9">
+            <a:extLst>
+              <a:ext uri="{FF2B5EF4-FFF2-40B4-BE49-F238E27FC236}">
+                <a16:creationId xmlns:a16="http://schemas.microsoft.com/office/drawing/2014/main" id="{E0534A8B-B5A7-1E09-7A83-B741CA45CF4A}"/>
+              </a:ext>
+            </a:extLst>
+          </p:cNvPr>
+          <p:cNvSpPr/>
+          <p:nvPr/>
+        </p:nvSpPr>
+        <p:spPr>
+          <a:xfrm>
+            <a:off x="566532" y="1709531"/>
+            <a:ext cx="3488105" cy="4325112"/>
+          </a:xfrm>
+          <a:prstGeom prst="snipRoundRect">
+            <a:avLst>
+              <a:gd name="adj1" fmla="val 3275"/>
+              <a:gd name="adj2" fmla="val 8404"/>
+            </a:avLst>
+          </a:prstGeom>
+          <a:solidFill>
+            <a:schemeClr val="bg1"/>
+          </a:solidFill>
+          <a:ln w="38100">
+            <a:solidFill>
+              <a:schemeClr val="tx1"/>
+            </a:solidFill>
+          </a:ln>
+        </p:spPr>
+        <p:style>
+          <a:lnRef idx="2">
+            <a:schemeClr val="accent1">
+              <a:shade val="50000"/>
+            </a:schemeClr>
+          </a:lnRef>
+          <a:fillRef idx="1">
+            <a:schemeClr val="accent1"/>
+          </a:fillRef>
+          <a:effectRef idx="0">
+            <a:schemeClr val="accent1"/>
+          </a:effectRef>
+          <a:fontRef idx="minor">
+            <a:schemeClr val="lt1"/>
+          </a:fontRef>
+        </p:style>
+        <p:txBody>
+          <a:bodyPr rtlCol="0" anchor="ctr"/>
+          <a:lstStyle/>
+          <a:p>
+            <a:pPr algn="ctr"/>
+            <a:endParaRPr lang="en-US"/>
+          </a:p>
+        </p:txBody>
+      </p:sp>
+      <p:grpSp>
+        <p:nvGrpSpPr>
+          <p:cNvPr id="76" name="Group 75">
+            <a:extLst>
+              <a:ext uri="{FF2B5EF4-FFF2-40B4-BE49-F238E27FC236}">
+                <a16:creationId xmlns:a16="http://schemas.microsoft.com/office/drawing/2014/main" id="{7207398C-8B94-305F-51E5-22B1902809B1}"/>
+              </a:ext>
+            </a:extLst>
+          </p:cNvPr>
+          <p:cNvGrpSpPr/>
+          <p:nvPr/>
+        </p:nvGrpSpPr>
+        <p:grpSpPr>
+          <a:xfrm>
+            <a:off x="881298" y="2875944"/>
+            <a:ext cx="2901619" cy="2901619"/>
+            <a:chOff x="3766158" y="950064"/>
+            <a:chExt cx="3340320" cy="3340320"/>
+          </a:xfrm>
+        </p:grpSpPr>
+        <p:sp>
+          <p:nvSpPr>
+            <p:cNvPr id="77" name="Rectangle: Rounded Corners 76">
+              <a:extLst>
+                <a:ext uri="{FF2B5EF4-FFF2-40B4-BE49-F238E27FC236}">
+                  <a16:creationId xmlns:a16="http://schemas.microsoft.com/office/drawing/2014/main" id="{C136A396-C7C4-814E-541C-D7CB2B9ABAC5}"/>
+                </a:ext>
+              </a:extLst>
+            </p:cNvPr>
+            <p:cNvSpPr/>
+            <p:nvPr/>
+          </p:nvSpPr>
+          <p:spPr>
+            <a:xfrm>
+              <a:off x="3766158" y="950064"/>
+              <a:ext cx="3340320" cy="3340320"/>
+            </a:xfrm>
+            <a:prstGeom prst="roundRect">
+              <a:avLst/>
+            </a:prstGeom>
+            <a:solidFill>
+              <a:schemeClr val="bg1"/>
+            </a:solidFill>
+            <a:ln w="57150">
+              <a:solidFill>
+                <a:schemeClr val="tx1"/>
+              </a:solidFill>
+            </a:ln>
+          </p:spPr>
+          <p:style>
+            <a:lnRef idx="2">
+              <a:schemeClr val="accent1">
+                <a:shade val="50000"/>
+              </a:schemeClr>
+            </a:lnRef>
+            <a:fillRef idx="1">
+              <a:schemeClr val="accent1"/>
+            </a:fillRef>
+            <a:effectRef idx="0">
+              <a:schemeClr val="accent1"/>
+            </a:effectRef>
+            <a:fontRef idx="minor">
+              <a:schemeClr val="lt1"/>
+            </a:fontRef>
+          </p:style>
+          <p:txBody>
+            <a:bodyPr rtlCol="0" anchor="ctr"/>
+            <a:lstStyle/>
+            <a:p>
+              <a:pPr algn="ctr"/>
+              <a:endParaRPr lang="en-US" sz="3200"/>
+            </a:p>
+          </p:txBody>
+        </p:sp>
+        <p:sp>
+          <p:nvSpPr>
+            <p:cNvPr id="78" name="TextBox 77">
+              <a:extLst>
+                <a:ext uri="{FF2B5EF4-FFF2-40B4-BE49-F238E27FC236}">
+                  <a16:creationId xmlns:a16="http://schemas.microsoft.com/office/drawing/2014/main" id="{1B43825F-6DF1-97DB-3946-A244DFDC220A}"/>
+                </a:ext>
+              </a:extLst>
+            </p:cNvPr>
+            <p:cNvSpPr txBox="1"/>
+            <p:nvPr/>
+          </p:nvSpPr>
+          <p:spPr>
+            <a:xfrm rot="10800000">
+              <a:off x="4182503" y="3422825"/>
+              <a:ext cx="2583246" cy="814913"/>
+            </a:xfrm>
+            <a:prstGeom prst="rect">
+              <a:avLst/>
+            </a:prstGeom>
+            <a:noFill/>
+          </p:spPr>
+          <p:txBody>
+            <a:bodyPr wrap="square" rtlCol="0">
+              <a:spAutoFit/>
+            </a:bodyPr>
+            <a:lstStyle/>
+            <a:p>
+              <a:pPr algn="ctr"/>
+              <a:r>
+                <a:rPr lang="en-US" sz="4000" dirty="0"/>
+                <a:t>Example</a:t>
+              </a:r>
+            </a:p>
+          </p:txBody>
+        </p:sp>
+        <p:sp>
+          <p:nvSpPr>
+            <p:cNvPr id="82" name="Oval 81">
+              <a:extLst>
+                <a:ext uri="{FF2B5EF4-FFF2-40B4-BE49-F238E27FC236}">
+                  <a16:creationId xmlns:a16="http://schemas.microsoft.com/office/drawing/2014/main" id="{D989A211-8A4F-3D36-5F30-FEDBC56EA4FE}"/>
+                </a:ext>
+              </a:extLst>
+            </p:cNvPr>
+            <p:cNvSpPr/>
+            <p:nvPr/>
+          </p:nvSpPr>
+          <p:spPr>
+            <a:xfrm>
+              <a:off x="4908550" y="2112392"/>
+              <a:ext cx="1062608" cy="1062608"/>
+            </a:xfrm>
+            <a:prstGeom prst="ellipse">
+              <a:avLst/>
+            </a:prstGeom>
+            <a:solidFill>
+              <a:schemeClr val="bg1"/>
+            </a:solidFill>
+            <a:ln w="57150"/>
+          </p:spPr>
+          <p:style>
+            <a:lnRef idx="2">
+              <a:schemeClr val="accent1">
+                <a:shade val="50000"/>
+              </a:schemeClr>
+            </a:lnRef>
+            <a:fillRef idx="1">
+              <a:schemeClr val="accent1"/>
+            </a:fillRef>
+            <a:effectRef idx="0">
+              <a:schemeClr val="accent1"/>
+            </a:effectRef>
+            <a:fontRef idx="minor">
+              <a:schemeClr val="lt1"/>
+            </a:fontRef>
+          </p:style>
+          <p:txBody>
+            <a:bodyPr rtlCol="0" anchor="ctr"/>
+            <a:lstStyle/>
+            <a:p>
+              <a:pPr algn="ctr"/>
+              <a:endParaRPr lang="en-US" sz="3200"/>
             </a:p>
           </p:txBody>
         </p:sp>
@@ -5034,9 +5411,9 @@
             <p:nvPr/>
           </p:nvSpPr>
           <p:spPr>
-            <a:xfrm>
-              <a:off x="4487131" y="986183"/>
-              <a:ext cx="1898374" cy="839346"/>
+            <a:xfrm rot="5400000">
+              <a:off x="5691908" y="2166716"/>
+              <a:ext cx="1898374" cy="839345"/>
             </a:xfrm>
             <a:prstGeom prst="rect">
               <a:avLst/>
@@ -5052,7 +5429,7 @@
               <a:pPr algn="ctr"/>
               <a:r>
                 <a:rPr lang="en-US" sz="4000" dirty="0"/>
-                <a:t>Feel</a:t>
+                <a:t>Let</a:t>
               </a:r>
             </a:p>
           </p:txBody>
@@ -5186,7 +5563,7 @@
                   </a:schemeClr>
                 </a:solidFill>
               </a:rPr>
-              <a:t>Camp</a:t>
+              <a:t>Try Me</a:t>
             </a:r>
           </a:p>
         </p:txBody>
@@ -5233,7 +5610,7 @@
                   </a:schemeClr>
                 </a:solidFill>
               </a:rPr>
-              <a:t>Instagram</a:t>
+              <a:t>About</a:t>
             </a:r>
             <a:endParaRPr lang="en-US" sz="5400" dirty="0">
               <a:ln>
@@ -5324,7 +5701,7 @@
     </p:spTree>
     <p:extLst>
       <p:ext uri="{BB962C8B-B14F-4D97-AF65-F5344CB8AC3E}">
-        <p14:creationId xmlns:p14="http://schemas.microsoft.com/office/powerpoint/2010/main" val="3927250085"/>
+        <p14:creationId xmlns:p14="http://schemas.microsoft.com/office/powerpoint/2010/main" val="206214519"/>
       </p:ext>
     </p:extLst>
   </p:cSld>
